--- a/Presentation/StephenHaslett-Data698CapstoneProjectPresentation.pptx
+++ b/Presentation/StephenHaslett-Data698CapstoneProjectPresentation.pptx
@@ -16,6 +16,10 @@
     <p:sldId id="262" r:id="rId10"/>
     <p:sldId id="263" r:id="rId11"/>
     <p:sldId id="258" r:id="rId12"/>
+    <p:sldId id="267" r:id="rId13"/>
+    <p:sldId id="268" r:id="rId14"/>
+    <p:sldId id="269" r:id="rId15"/>
+    <p:sldId id="270" r:id="rId16"/>
   </p:sldIdLst>
   <p:sldSz cx="12192000" cy="6858000"/>
   <p:notesSz cx="6858000" cy="9144000"/>
@@ -7975,12 +7979,8 @@
               <a:buNone/>
             </a:pPr>
             <a:r>
-              <a:rPr lang="en-US" sz="1600" b="1"/>
-              <a:t>We compared </a:t>
-            </a:r>
-            <a:r>
               <a:rPr lang="en-US" sz="1600" b="1" dirty="0"/>
-              <a:t>the average winnings of each strategy against the Consistent Numbers base case.</a:t>
+              <a:t>We compared the average winnings from each strategy against the Consistent Numbers base case.</a:t>
             </a:r>
           </a:p>
           <a:p>
@@ -8099,10 +8099,10 @@
       </p:sp>
       <p:pic>
         <p:nvPicPr>
-          <p:cNvPr id="6" name="Picture 5" descr="Text&#10;&#10;Description automatically generated">
+          <p:cNvPr id="8" name="Picture 7" descr="Text&#10;&#10;Description automatically generated">
             <a:extLst>
               <a:ext uri="{FF2B5EF4-FFF2-40B4-BE49-F238E27FC236}">
-                <a16:creationId xmlns:a16="http://schemas.microsoft.com/office/drawing/2014/main" id="{34039298-ECA8-FF46-847F-6E8D962CD8EA}"/>
+                <a16:creationId xmlns:a16="http://schemas.microsoft.com/office/drawing/2014/main" id="{952FDFBC-6E24-934B-82DF-DB9662024FEC}"/>
               </a:ext>
             </a:extLst>
           </p:cNvPr>
@@ -8119,8 +8119,8 @@
         </p:blipFill>
         <p:spPr>
           <a:xfrm>
-            <a:off x="142875" y="3057451"/>
-            <a:ext cx="6162675" cy="3679581"/>
+            <a:off x="303461" y="2720578"/>
+            <a:ext cx="6421189" cy="4024539"/>
           </a:xfrm>
           <a:prstGeom prst="rect">
             <a:avLst/>
@@ -8178,32 +8178,208 @@
           <a:bodyPr/>
           <a:lstStyle/>
           <a:p>
-            <a:endParaRPr lang="en-US"/>
-          </a:p>
-        </p:txBody>
-      </p:sp>
-      <p:sp>
-        <p:nvSpPr>
-          <p:cNvPr id="3" name="Content Placeholder 2">
+            <a:r>
+              <a:rPr lang="en-US" dirty="0"/>
+              <a:t>Results</a:t>
+            </a:r>
+          </a:p>
+        </p:txBody>
+      </p:sp>
+      <p:pic>
+        <p:nvPicPr>
+          <p:cNvPr id="6" name="Content Placeholder 5" descr="Text&#10;&#10;Description automatically generated">
             <a:extLst>
               <a:ext uri="{FF2B5EF4-FFF2-40B4-BE49-F238E27FC236}">
-                <a16:creationId xmlns:a16="http://schemas.microsoft.com/office/drawing/2014/main" id="{52C64501-5843-904A-AA75-1218A0D9AAB4}"/>
+                <a16:creationId xmlns:a16="http://schemas.microsoft.com/office/drawing/2014/main" id="{3EFF11E4-6061-324F-B796-2B06867AB29C}"/>
               </a:ext>
             </a:extLst>
           </p:cNvPr>
-          <p:cNvSpPr>
-            <a:spLocks noGrp="1"/>
-          </p:cNvSpPr>
+          <p:cNvPicPr>
+            <a:picLocks noGrp="1" noChangeAspect="1"/>
+          </p:cNvPicPr>
           <p:nvPr>
             <p:ph idx="1"/>
           </p:nvPr>
-        </p:nvSpPr>
-        <p:spPr/>
-        <p:txBody>
-          <a:bodyPr/>
+        </p:nvPicPr>
+        <p:blipFill>
+          <a:blip r:embed="rId2"/>
+          <a:stretch>
+            <a:fillRect/>
+          </a:stretch>
+        </p:blipFill>
+        <p:spPr>
+          <a:xfrm>
+            <a:off x="236786" y="2135981"/>
+            <a:ext cx="4837480" cy="1626394"/>
+          </a:xfrm>
+        </p:spPr>
+      </p:pic>
+      <p:sp>
+        <p:nvSpPr>
+          <p:cNvPr id="4" name="TextBox 3">
+            <a:extLst>
+              <a:ext uri="{FF2B5EF4-FFF2-40B4-BE49-F238E27FC236}">
+                <a16:creationId xmlns:a16="http://schemas.microsoft.com/office/drawing/2014/main" id="{1F2EC420-671E-BB4A-AEE5-10ABD22F80AA}"/>
+              </a:ext>
+            </a:extLst>
+          </p:cNvPr>
+          <p:cNvSpPr txBox="1"/>
+          <p:nvPr/>
+        </p:nvSpPr>
+        <p:spPr>
+          <a:xfrm>
+            <a:off x="10551246" y="770477"/>
+            <a:ext cx="1608133" cy="523220"/>
+          </a:xfrm>
+          <a:prstGeom prst="rect">
+            <a:avLst/>
+          </a:prstGeom>
+          <a:noFill/>
+        </p:spPr>
+        <p:txBody>
+          <a:bodyPr wrap="none" rtlCol="0">
+            <a:spAutoFit/>
+          </a:bodyPr>
           <a:lstStyle/>
           <a:p>
-            <a:endParaRPr lang="en-US"/>
+            <a:r>
+              <a:rPr lang="en-US" sz="1400" dirty="0"/>
+              <a:t>Most Frequent</a:t>
+            </a:r>
+          </a:p>
+          <a:p>
+            <a:r>
+              <a:rPr lang="en-US" sz="1400" dirty="0"/>
+              <a:t>Numbers Strategy</a:t>
+            </a:r>
+          </a:p>
+        </p:txBody>
+      </p:sp>
+      <p:sp>
+        <p:nvSpPr>
+          <p:cNvPr id="7" name="TextBox 6">
+            <a:extLst>
+              <a:ext uri="{FF2B5EF4-FFF2-40B4-BE49-F238E27FC236}">
+                <a16:creationId xmlns:a16="http://schemas.microsoft.com/office/drawing/2014/main" id="{58D999C0-0959-ED4F-9E87-624A13FBB79C}"/>
+              </a:ext>
+            </a:extLst>
+          </p:cNvPr>
+          <p:cNvSpPr txBox="1"/>
+          <p:nvPr/>
+        </p:nvSpPr>
+        <p:spPr>
+          <a:xfrm>
+            <a:off x="165101" y="3762375"/>
+            <a:ext cx="4980851" cy="646331"/>
+          </a:xfrm>
+          <a:prstGeom prst="rect">
+            <a:avLst/>
+          </a:prstGeom>
+          <a:noFill/>
+        </p:spPr>
+        <p:txBody>
+          <a:bodyPr wrap="none" rtlCol="0">
+            <a:spAutoFit/>
+          </a:bodyPr>
+          <a:lstStyle/>
+          <a:p>
+            <a:r>
+              <a:rPr lang="en-US" sz="1200" dirty="0"/>
+              <a:t>A P value of </a:t>
+            </a:r>
+            <a:r>
+              <a:rPr lang="en-US" sz="1200" b="1" i="1" dirty="0"/>
+              <a:t>0.8872</a:t>
+            </a:r>
+            <a:r>
+              <a:rPr lang="en-US" sz="1200" dirty="0"/>
+              <a:t>, and T value of </a:t>
+            </a:r>
+            <a:r>
+              <a:rPr lang="en-US" sz="1200" b="1" i="1" dirty="0"/>
+              <a:t>0.14182</a:t>
+            </a:r>
+            <a:r>
+              <a:rPr lang="en-US" sz="1200" dirty="0"/>
+              <a:t>  tell us that the average</a:t>
+            </a:r>
+          </a:p>
+          <a:p>
+            <a:r>
+              <a:rPr lang="en-US" sz="1200" dirty="0"/>
+              <a:t>winnings of the Most Frequent Numbers strategy are not significantly </a:t>
+            </a:r>
+          </a:p>
+          <a:p>
+            <a:r>
+              <a:rPr lang="en-US" sz="1200" dirty="0"/>
+              <a:t>different from those of the base case.</a:t>
+            </a:r>
+          </a:p>
+        </p:txBody>
+      </p:sp>
+      <p:pic>
+        <p:nvPicPr>
+          <p:cNvPr id="9" name="Picture 8" descr="Chart, histogram&#10;&#10;Description automatically generated">
+            <a:extLst>
+              <a:ext uri="{FF2B5EF4-FFF2-40B4-BE49-F238E27FC236}">
+                <a16:creationId xmlns:a16="http://schemas.microsoft.com/office/drawing/2014/main" id="{D6F0D6F1-E090-FC4C-8ACA-586C864F532C}"/>
+              </a:ext>
+            </a:extLst>
+          </p:cNvPr>
+          <p:cNvPicPr>
+            <a:picLocks noChangeAspect="1"/>
+          </p:cNvPicPr>
+          <p:nvPr/>
+        </p:nvPicPr>
+        <p:blipFill>
+          <a:blip r:embed="rId3"/>
+          <a:stretch>
+            <a:fillRect/>
+          </a:stretch>
+        </p:blipFill>
+        <p:spPr>
+          <a:xfrm>
+            <a:off x="5864938" y="2103327"/>
+            <a:ext cx="5317412" cy="3281603"/>
+          </a:xfrm>
+          <a:prstGeom prst="rect">
+            <a:avLst/>
+          </a:prstGeom>
+        </p:spPr>
+      </p:pic>
+      <p:sp>
+        <p:nvSpPr>
+          <p:cNvPr id="11" name="TextBox 10">
+            <a:extLst>
+              <a:ext uri="{FF2B5EF4-FFF2-40B4-BE49-F238E27FC236}">
+                <a16:creationId xmlns:a16="http://schemas.microsoft.com/office/drawing/2014/main" id="{F4444AB2-92DB-DC4E-95FE-09B9847F01AB}"/>
+              </a:ext>
+            </a:extLst>
+          </p:cNvPr>
+          <p:cNvSpPr txBox="1"/>
+          <p:nvPr/>
+        </p:nvSpPr>
+        <p:spPr>
+          <a:xfrm>
+            <a:off x="5760163" y="5458441"/>
+            <a:ext cx="5174537" cy="646331"/>
+          </a:xfrm>
+          <a:prstGeom prst="rect">
+            <a:avLst/>
+          </a:prstGeom>
+          <a:noFill/>
+        </p:spPr>
+        <p:txBody>
+          <a:bodyPr wrap="square" rtlCol="0">
+            <a:spAutoFit/>
+          </a:bodyPr>
+          <a:lstStyle/>
+          <a:p>
+            <a:r>
+              <a:rPr lang="en-US" sz="1200" dirty="0"/>
+              <a:t>The average winnings generated by the Most Frequent Numbers strategy fall within the expected values of the base case and so we reject the alternative hypothesis.</a:t>
+            </a:r>
           </a:p>
         </p:txBody>
       </p:sp>
@@ -8211,6 +8387,1115 @@
     <p:extLst>
       <p:ext uri="{BB962C8B-B14F-4D97-AF65-F5344CB8AC3E}">
         <p14:creationId xmlns:p14="http://schemas.microsoft.com/office/powerpoint/2010/main" val="1369085333"/>
+      </p:ext>
+    </p:extLst>
+  </p:cSld>
+  <p:clrMapOvr>
+    <a:masterClrMapping/>
+  </p:clrMapOvr>
+</p:sld>
+</file>
+
+<file path=ppt/slides/slide12.xml><?xml version="1.0" encoding="utf-8"?>
+<p:sld xmlns:a="http://schemas.openxmlformats.org/drawingml/2006/main" xmlns:r="http://schemas.openxmlformats.org/officeDocument/2006/relationships" xmlns:p="http://schemas.openxmlformats.org/presentationml/2006/main">
+  <p:cSld>
+    <p:spTree>
+      <p:nvGrpSpPr>
+        <p:cNvPr id="1" name=""/>
+        <p:cNvGrpSpPr/>
+        <p:nvPr/>
+      </p:nvGrpSpPr>
+      <p:grpSpPr>
+        <a:xfrm>
+          <a:off x="0" y="0"/>
+          <a:ext cx="0" cy="0"/>
+          <a:chOff x="0" y="0"/>
+          <a:chExt cx="0" cy="0"/>
+        </a:xfrm>
+      </p:grpSpPr>
+      <p:sp>
+        <p:nvSpPr>
+          <p:cNvPr id="2" name="Title 1">
+            <a:extLst>
+              <a:ext uri="{FF2B5EF4-FFF2-40B4-BE49-F238E27FC236}">
+                <a16:creationId xmlns:a16="http://schemas.microsoft.com/office/drawing/2014/main" id="{A8B4AFEC-8B45-A944-9690-48D90F0B8954}"/>
+              </a:ext>
+            </a:extLst>
+          </p:cNvPr>
+          <p:cNvSpPr>
+            <a:spLocks noGrp="1"/>
+          </p:cNvSpPr>
+          <p:nvPr>
+            <p:ph type="title"/>
+          </p:nvPr>
+        </p:nvSpPr>
+        <p:spPr/>
+        <p:txBody>
+          <a:bodyPr/>
+          <a:lstStyle/>
+          <a:p>
+            <a:r>
+              <a:rPr lang="en-US" dirty="0"/>
+              <a:t>Results</a:t>
+            </a:r>
+          </a:p>
+        </p:txBody>
+      </p:sp>
+      <p:sp>
+        <p:nvSpPr>
+          <p:cNvPr id="4" name="TextBox 3">
+            <a:extLst>
+              <a:ext uri="{FF2B5EF4-FFF2-40B4-BE49-F238E27FC236}">
+                <a16:creationId xmlns:a16="http://schemas.microsoft.com/office/drawing/2014/main" id="{1F2EC420-671E-BB4A-AEE5-10ABD22F80AA}"/>
+              </a:ext>
+            </a:extLst>
+          </p:cNvPr>
+          <p:cNvSpPr txBox="1"/>
+          <p:nvPr/>
+        </p:nvSpPr>
+        <p:spPr>
+          <a:xfrm>
+            <a:off x="10551246" y="770477"/>
+            <a:ext cx="1608133" cy="523220"/>
+          </a:xfrm>
+          <a:prstGeom prst="rect">
+            <a:avLst/>
+          </a:prstGeom>
+          <a:noFill/>
+        </p:spPr>
+        <p:txBody>
+          <a:bodyPr wrap="none" rtlCol="0">
+            <a:spAutoFit/>
+          </a:bodyPr>
+          <a:lstStyle/>
+          <a:p>
+            <a:r>
+              <a:rPr lang="en-US" sz="1400" dirty="0"/>
+              <a:t>Least Frequent</a:t>
+            </a:r>
+          </a:p>
+          <a:p>
+            <a:r>
+              <a:rPr lang="en-US" sz="1400" dirty="0"/>
+              <a:t>Numbers Strategy</a:t>
+            </a:r>
+          </a:p>
+        </p:txBody>
+      </p:sp>
+      <p:sp>
+        <p:nvSpPr>
+          <p:cNvPr id="7" name="TextBox 6">
+            <a:extLst>
+              <a:ext uri="{FF2B5EF4-FFF2-40B4-BE49-F238E27FC236}">
+                <a16:creationId xmlns:a16="http://schemas.microsoft.com/office/drawing/2014/main" id="{58D999C0-0959-ED4F-9E87-624A13FBB79C}"/>
+              </a:ext>
+            </a:extLst>
+          </p:cNvPr>
+          <p:cNvSpPr txBox="1"/>
+          <p:nvPr/>
+        </p:nvSpPr>
+        <p:spPr>
+          <a:xfrm>
+            <a:off x="165101" y="3762375"/>
+            <a:ext cx="5030544" cy="646331"/>
+          </a:xfrm>
+          <a:prstGeom prst="rect">
+            <a:avLst/>
+          </a:prstGeom>
+          <a:noFill/>
+        </p:spPr>
+        <p:txBody>
+          <a:bodyPr wrap="none" rtlCol="0">
+            <a:spAutoFit/>
+          </a:bodyPr>
+          <a:lstStyle/>
+          <a:p>
+            <a:r>
+              <a:rPr lang="en-US" sz="1200" dirty="0"/>
+              <a:t>A P value of </a:t>
+            </a:r>
+            <a:r>
+              <a:rPr lang="en-US" sz="1200" b="1" i="1" dirty="0"/>
+              <a:t>0.4828</a:t>
+            </a:r>
+            <a:r>
+              <a:rPr lang="en-US" sz="1200" dirty="0"/>
+              <a:t>, and T value of </a:t>
+            </a:r>
+            <a:r>
+              <a:rPr lang="en-US" sz="1200" b="1" i="1" dirty="0"/>
+              <a:t>0.70181</a:t>
+            </a:r>
+            <a:r>
+              <a:rPr lang="en-US" sz="1200" dirty="0"/>
+              <a:t>  tell us that the average</a:t>
+            </a:r>
+          </a:p>
+          <a:p>
+            <a:r>
+              <a:rPr lang="en-US" sz="1200" dirty="0"/>
+              <a:t>winnings of the Least Frequent Numbers strategy are not significantly </a:t>
+            </a:r>
+          </a:p>
+          <a:p>
+            <a:r>
+              <a:rPr lang="en-US" sz="1200" dirty="0"/>
+              <a:t>different from those of the base case.</a:t>
+            </a:r>
+          </a:p>
+        </p:txBody>
+      </p:sp>
+      <p:sp>
+        <p:nvSpPr>
+          <p:cNvPr id="11" name="TextBox 10">
+            <a:extLst>
+              <a:ext uri="{FF2B5EF4-FFF2-40B4-BE49-F238E27FC236}">
+                <a16:creationId xmlns:a16="http://schemas.microsoft.com/office/drawing/2014/main" id="{F4444AB2-92DB-DC4E-95FE-09B9847F01AB}"/>
+              </a:ext>
+            </a:extLst>
+          </p:cNvPr>
+          <p:cNvSpPr txBox="1"/>
+          <p:nvPr/>
+        </p:nvSpPr>
+        <p:spPr>
+          <a:xfrm>
+            <a:off x="5760163" y="5458441"/>
+            <a:ext cx="5174537" cy="646331"/>
+          </a:xfrm>
+          <a:prstGeom prst="rect">
+            <a:avLst/>
+          </a:prstGeom>
+          <a:noFill/>
+        </p:spPr>
+        <p:txBody>
+          <a:bodyPr wrap="square" rtlCol="0">
+            <a:spAutoFit/>
+          </a:bodyPr>
+          <a:lstStyle/>
+          <a:p>
+            <a:r>
+              <a:rPr lang="en-US" sz="1200" dirty="0"/>
+              <a:t>The average winnings generated by the Least Frequent Numbers strategy fall within the expected values of the base case so we reject the alternative hypothesis.</a:t>
+            </a:r>
+          </a:p>
+        </p:txBody>
+      </p:sp>
+      <p:pic>
+        <p:nvPicPr>
+          <p:cNvPr id="10" name="Content Placeholder 9" descr="Text, letter&#10;&#10;Description automatically generated">
+            <a:extLst>
+              <a:ext uri="{FF2B5EF4-FFF2-40B4-BE49-F238E27FC236}">
+                <a16:creationId xmlns:a16="http://schemas.microsoft.com/office/drawing/2014/main" id="{773C0F01-E307-5A47-9E6D-54F3BA1C16F9}"/>
+              </a:ext>
+            </a:extLst>
+          </p:cNvPr>
+          <p:cNvPicPr>
+            <a:picLocks noGrp="1" noChangeAspect="1"/>
+          </p:cNvPicPr>
+          <p:nvPr>
+            <p:ph idx="1"/>
+          </p:nvPr>
+        </p:nvPicPr>
+        <p:blipFill>
+          <a:blip r:embed="rId2"/>
+          <a:stretch>
+            <a:fillRect/>
+          </a:stretch>
+        </p:blipFill>
+        <p:spPr>
+          <a:xfrm>
+            <a:off x="261937" y="2103327"/>
+            <a:ext cx="4608467" cy="1659048"/>
+          </a:xfrm>
+        </p:spPr>
+      </p:pic>
+      <p:pic>
+        <p:nvPicPr>
+          <p:cNvPr id="13" name="Picture 12" descr="Chart, histogram&#10;&#10;Description automatically generated">
+            <a:extLst>
+              <a:ext uri="{FF2B5EF4-FFF2-40B4-BE49-F238E27FC236}">
+                <a16:creationId xmlns:a16="http://schemas.microsoft.com/office/drawing/2014/main" id="{6B3730B3-12BE-D743-80AF-1446E950349A}"/>
+              </a:ext>
+            </a:extLst>
+          </p:cNvPr>
+          <p:cNvPicPr>
+            <a:picLocks noChangeAspect="1"/>
+          </p:cNvPicPr>
+          <p:nvPr/>
+        </p:nvPicPr>
+        <p:blipFill>
+          <a:blip r:embed="rId3"/>
+          <a:stretch>
+            <a:fillRect/>
+          </a:stretch>
+        </p:blipFill>
+        <p:spPr>
+          <a:xfrm>
+            <a:off x="5838825" y="2103326"/>
+            <a:ext cx="5234887" cy="3230673"/>
+          </a:xfrm>
+          <a:prstGeom prst="rect">
+            <a:avLst/>
+          </a:prstGeom>
+        </p:spPr>
+      </p:pic>
+    </p:spTree>
+    <p:extLst>
+      <p:ext uri="{BB962C8B-B14F-4D97-AF65-F5344CB8AC3E}">
+        <p14:creationId xmlns:p14="http://schemas.microsoft.com/office/powerpoint/2010/main" val="2706460762"/>
+      </p:ext>
+    </p:extLst>
+  </p:cSld>
+  <p:clrMapOvr>
+    <a:masterClrMapping/>
+  </p:clrMapOvr>
+</p:sld>
+</file>
+
+<file path=ppt/slides/slide13.xml><?xml version="1.0" encoding="utf-8"?>
+<p:sld xmlns:a="http://schemas.openxmlformats.org/drawingml/2006/main" xmlns:r="http://schemas.openxmlformats.org/officeDocument/2006/relationships" xmlns:p="http://schemas.openxmlformats.org/presentationml/2006/main">
+  <p:cSld>
+    <p:spTree>
+      <p:nvGrpSpPr>
+        <p:cNvPr id="1" name=""/>
+        <p:cNvGrpSpPr/>
+        <p:nvPr/>
+      </p:nvGrpSpPr>
+      <p:grpSpPr>
+        <a:xfrm>
+          <a:off x="0" y="0"/>
+          <a:ext cx="0" cy="0"/>
+          <a:chOff x="0" y="0"/>
+          <a:chExt cx="0" cy="0"/>
+        </a:xfrm>
+      </p:grpSpPr>
+      <p:sp>
+        <p:nvSpPr>
+          <p:cNvPr id="2" name="Title 1">
+            <a:extLst>
+              <a:ext uri="{FF2B5EF4-FFF2-40B4-BE49-F238E27FC236}">
+                <a16:creationId xmlns:a16="http://schemas.microsoft.com/office/drawing/2014/main" id="{A8B4AFEC-8B45-A944-9690-48D90F0B8954}"/>
+              </a:ext>
+            </a:extLst>
+          </p:cNvPr>
+          <p:cNvSpPr>
+            <a:spLocks noGrp="1"/>
+          </p:cNvSpPr>
+          <p:nvPr>
+            <p:ph type="title"/>
+          </p:nvPr>
+        </p:nvSpPr>
+        <p:spPr/>
+        <p:txBody>
+          <a:bodyPr/>
+          <a:lstStyle/>
+          <a:p>
+            <a:r>
+              <a:rPr lang="en-US" dirty="0"/>
+              <a:t>Results</a:t>
+            </a:r>
+          </a:p>
+        </p:txBody>
+      </p:sp>
+      <p:sp>
+        <p:nvSpPr>
+          <p:cNvPr id="4" name="TextBox 3">
+            <a:extLst>
+              <a:ext uri="{FF2B5EF4-FFF2-40B4-BE49-F238E27FC236}">
+                <a16:creationId xmlns:a16="http://schemas.microsoft.com/office/drawing/2014/main" id="{1F2EC420-671E-BB4A-AEE5-10ABD22F80AA}"/>
+              </a:ext>
+            </a:extLst>
+          </p:cNvPr>
+          <p:cNvSpPr txBox="1"/>
+          <p:nvPr/>
+        </p:nvSpPr>
+        <p:spPr>
+          <a:xfrm>
+            <a:off x="10551246" y="770477"/>
+            <a:ext cx="1608133" cy="523220"/>
+          </a:xfrm>
+          <a:prstGeom prst="rect">
+            <a:avLst/>
+          </a:prstGeom>
+          <a:noFill/>
+        </p:spPr>
+        <p:txBody>
+          <a:bodyPr wrap="none" rtlCol="0">
+            <a:spAutoFit/>
+          </a:bodyPr>
+          <a:lstStyle/>
+          <a:p>
+            <a:r>
+              <a:rPr lang="en-US" sz="1400" dirty="0"/>
+              <a:t>Random</a:t>
+            </a:r>
+          </a:p>
+          <a:p>
+            <a:r>
+              <a:rPr lang="en-US" sz="1400" dirty="0"/>
+              <a:t>Numbers Strategy</a:t>
+            </a:r>
+          </a:p>
+        </p:txBody>
+      </p:sp>
+      <p:sp>
+        <p:nvSpPr>
+          <p:cNvPr id="7" name="TextBox 6">
+            <a:extLst>
+              <a:ext uri="{FF2B5EF4-FFF2-40B4-BE49-F238E27FC236}">
+                <a16:creationId xmlns:a16="http://schemas.microsoft.com/office/drawing/2014/main" id="{58D999C0-0959-ED4F-9E87-624A13FBB79C}"/>
+              </a:ext>
+            </a:extLst>
+          </p:cNvPr>
+          <p:cNvSpPr txBox="1"/>
+          <p:nvPr/>
+        </p:nvSpPr>
+        <p:spPr>
+          <a:xfrm>
+            <a:off x="165101" y="3762375"/>
+            <a:ext cx="4980851" cy="646331"/>
+          </a:xfrm>
+          <a:prstGeom prst="rect">
+            <a:avLst/>
+          </a:prstGeom>
+          <a:noFill/>
+        </p:spPr>
+        <p:txBody>
+          <a:bodyPr wrap="none" rtlCol="0">
+            <a:spAutoFit/>
+          </a:bodyPr>
+          <a:lstStyle/>
+          <a:p>
+            <a:r>
+              <a:rPr lang="en-US" sz="1200" dirty="0"/>
+              <a:t>A P value of </a:t>
+            </a:r>
+            <a:r>
+              <a:rPr lang="en-US" sz="1200" b="1" i="1" dirty="0"/>
+              <a:t>0.4718</a:t>
+            </a:r>
+            <a:r>
+              <a:rPr lang="en-US" sz="1200" dirty="0"/>
+              <a:t>, and T value of </a:t>
+            </a:r>
+            <a:r>
+              <a:rPr lang="en-US" sz="1200" b="1" i="1" dirty="0"/>
+              <a:t>0.71965</a:t>
+            </a:r>
+            <a:r>
+              <a:rPr lang="en-US" sz="1200" dirty="0"/>
+              <a:t> tell us that the average</a:t>
+            </a:r>
+          </a:p>
+          <a:p>
+            <a:r>
+              <a:rPr lang="en-US" sz="1200" dirty="0"/>
+              <a:t>winnings of the Random Numbers strategy are not significantly </a:t>
+            </a:r>
+          </a:p>
+          <a:p>
+            <a:r>
+              <a:rPr lang="en-US" sz="1200" dirty="0"/>
+              <a:t>different from those of the base case.</a:t>
+            </a:r>
+          </a:p>
+        </p:txBody>
+      </p:sp>
+      <p:sp>
+        <p:nvSpPr>
+          <p:cNvPr id="11" name="TextBox 10">
+            <a:extLst>
+              <a:ext uri="{FF2B5EF4-FFF2-40B4-BE49-F238E27FC236}">
+                <a16:creationId xmlns:a16="http://schemas.microsoft.com/office/drawing/2014/main" id="{F4444AB2-92DB-DC4E-95FE-09B9847F01AB}"/>
+              </a:ext>
+            </a:extLst>
+          </p:cNvPr>
+          <p:cNvSpPr txBox="1"/>
+          <p:nvPr/>
+        </p:nvSpPr>
+        <p:spPr>
+          <a:xfrm>
+            <a:off x="5864938" y="5488453"/>
+            <a:ext cx="5174537" cy="461665"/>
+          </a:xfrm>
+          <a:prstGeom prst="rect">
+            <a:avLst/>
+          </a:prstGeom>
+          <a:noFill/>
+        </p:spPr>
+        <p:txBody>
+          <a:bodyPr wrap="square" rtlCol="0">
+            <a:spAutoFit/>
+          </a:bodyPr>
+          <a:lstStyle/>
+          <a:p>
+            <a:r>
+              <a:rPr lang="en-US" sz="1200" dirty="0"/>
+              <a:t>The distribution plot shows that the means are within 95% of each other and so we reject the alternative hypothesis.</a:t>
+            </a:r>
+          </a:p>
+        </p:txBody>
+      </p:sp>
+      <p:pic>
+        <p:nvPicPr>
+          <p:cNvPr id="5" name="Picture 4" descr="Chart, histogram&#10;&#10;Description automatically generated">
+            <a:extLst>
+              <a:ext uri="{FF2B5EF4-FFF2-40B4-BE49-F238E27FC236}">
+                <a16:creationId xmlns:a16="http://schemas.microsoft.com/office/drawing/2014/main" id="{FFD9A5BE-1C2B-3D40-93A9-B153C2A95BB5}"/>
+              </a:ext>
+            </a:extLst>
+          </p:cNvPr>
+          <p:cNvPicPr>
+            <a:picLocks noChangeAspect="1"/>
+          </p:cNvPicPr>
+          <p:nvPr/>
+        </p:nvPicPr>
+        <p:blipFill>
+          <a:blip r:embed="rId2"/>
+          <a:stretch>
+            <a:fillRect/>
+          </a:stretch>
+        </p:blipFill>
+        <p:spPr>
+          <a:xfrm>
+            <a:off x="5953125" y="2185987"/>
+            <a:ext cx="5174537" cy="3193429"/>
+          </a:xfrm>
+          <a:prstGeom prst="rect">
+            <a:avLst/>
+          </a:prstGeom>
+        </p:spPr>
+      </p:pic>
+      <p:pic>
+        <p:nvPicPr>
+          <p:cNvPr id="13" name="Content Placeholder 12" descr="Text&#10;&#10;Description automatically generated">
+            <a:extLst>
+              <a:ext uri="{FF2B5EF4-FFF2-40B4-BE49-F238E27FC236}">
+                <a16:creationId xmlns:a16="http://schemas.microsoft.com/office/drawing/2014/main" id="{45F67C12-81AF-5746-BC83-F3094F0784B4}"/>
+              </a:ext>
+            </a:extLst>
+          </p:cNvPr>
+          <p:cNvPicPr>
+            <a:picLocks noGrp="1" noChangeAspect="1"/>
+          </p:cNvPicPr>
+          <p:nvPr>
+            <p:ph idx="1"/>
+          </p:nvPr>
+        </p:nvPicPr>
+        <p:blipFill>
+          <a:blip r:embed="rId3"/>
+          <a:stretch>
+            <a:fillRect/>
+          </a:stretch>
+        </p:blipFill>
+        <p:spPr>
+          <a:xfrm>
+            <a:off x="233362" y="2107510"/>
+            <a:ext cx="4691063" cy="1654865"/>
+          </a:xfrm>
+        </p:spPr>
+      </p:pic>
+    </p:spTree>
+    <p:extLst>
+      <p:ext uri="{BB962C8B-B14F-4D97-AF65-F5344CB8AC3E}">
+        <p14:creationId xmlns:p14="http://schemas.microsoft.com/office/powerpoint/2010/main" val="2403324399"/>
+      </p:ext>
+    </p:extLst>
+  </p:cSld>
+  <p:clrMapOvr>
+    <a:masterClrMapping/>
+  </p:clrMapOvr>
+</p:sld>
+</file>
+
+<file path=ppt/slides/slide14.xml><?xml version="1.0" encoding="utf-8"?>
+<p:sld xmlns:a="http://schemas.openxmlformats.org/drawingml/2006/main" xmlns:r="http://schemas.openxmlformats.org/officeDocument/2006/relationships" xmlns:p="http://schemas.openxmlformats.org/presentationml/2006/main">
+  <p:cSld>
+    <p:spTree>
+      <p:nvGrpSpPr>
+        <p:cNvPr id="1" name=""/>
+        <p:cNvGrpSpPr/>
+        <p:nvPr/>
+      </p:nvGrpSpPr>
+      <p:grpSpPr>
+        <a:xfrm>
+          <a:off x="0" y="0"/>
+          <a:ext cx="0" cy="0"/>
+          <a:chOff x="0" y="0"/>
+          <a:chExt cx="0" cy="0"/>
+        </a:xfrm>
+      </p:grpSpPr>
+      <p:sp>
+        <p:nvSpPr>
+          <p:cNvPr id="2" name="Title 1">
+            <a:extLst>
+              <a:ext uri="{FF2B5EF4-FFF2-40B4-BE49-F238E27FC236}">
+                <a16:creationId xmlns:a16="http://schemas.microsoft.com/office/drawing/2014/main" id="{A8B4AFEC-8B45-A944-9690-48D90F0B8954}"/>
+              </a:ext>
+            </a:extLst>
+          </p:cNvPr>
+          <p:cNvSpPr>
+            <a:spLocks noGrp="1"/>
+          </p:cNvSpPr>
+          <p:nvPr>
+            <p:ph type="title"/>
+          </p:nvPr>
+        </p:nvSpPr>
+        <p:spPr/>
+        <p:txBody>
+          <a:bodyPr/>
+          <a:lstStyle/>
+          <a:p>
+            <a:r>
+              <a:rPr lang="en-US" dirty="0"/>
+              <a:t>Results</a:t>
+            </a:r>
+          </a:p>
+        </p:txBody>
+      </p:sp>
+      <p:sp>
+        <p:nvSpPr>
+          <p:cNvPr id="4" name="TextBox 3">
+            <a:extLst>
+              <a:ext uri="{FF2B5EF4-FFF2-40B4-BE49-F238E27FC236}">
+                <a16:creationId xmlns:a16="http://schemas.microsoft.com/office/drawing/2014/main" id="{1F2EC420-671E-BB4A-AEE5-10ABD22F80AA}"/>
+              </a:ext>
+            </a:extLst>
+          </p:cNvPr>
+          <p:cNvSpPr txBox="1"/>
+          <p:nvPr/>
+        </p:nvSpPr>
+        <p:spPr>
+          <a:xfrm>
+            <a:off x="10551246" y="770477"/>
+            <a:ext cx="1678665" cy="307777"/>
+          </a:xfrm>
+          <a:prstGeom prst="rect">
+            <a:avLst/>
+          </a:prstGeom>
+          <a:noFill/>
+        </p:spPr>
+        <p:txBody>
+          <a:bodyPr wrap="none" rtlCol="0">
+            <a:spAutoFit/>
+          </a:bodyPr>
+          <a:lstStyle/>
+          <a:p>
+            <a:r>
+              <a:rPr lang="en-US" sz="1400" dirty="0"/>
+              <a:t>Multiplier Strategy</a:t>
+            </a:r>
+          </a:p>
+        </p:txBody>
+      </p:sp>
+      <p:sp>
+        <p:nvSpPr>
+          <p:cNvPr id="7" name="TextBox 6">
+            <a:extLst>
+              <a:ext uri="{FF2B5EF4-FFF2-40B4-BE49-F238E27FC236}">
+                <a16:creationId xmlns:a16="http://schemas.microsoft.com/office/drawing/2014/main" id="{58D999C0-0959-ED4F-9E87-624A13FBB79C}"/>
+              </a:ext>
+            </a:extLst>
+          </p:cNvPr>
+          <p:cNvSpPr txBox="1"/>
+          <p:nvPr/>
+        </p:nvSpPr>
+        <p:spPr>
+          <a:xfrm>
+            <a:off x="165101" y="3762375"/>
+            <a:ext cx="4782976" cy="646331"/>
+          </a:xfrm>
+          <a:prstGeom prst="rect">
+            <a:avLst/>
+          </a:prstGeom>
+          <a:noFill/>
+        </p:spPr>
+        <p:txBody>
+          <a:bodyPr wrap="none" rtlCol="0">
+            <a:spAutoFit/>
+          </a:bodyPr>
+          <a:lstStyle/>
+          <a:p>
+            <a:r>
+              <a:rPr lang="en-US" sz="1200" dirty="0"/>
+              <a:t>A P value of near </a:t>
+            </a:r>
+            <a:r>
+              <a:rPr lang="en-US" sz="1200" b="1" i="1" dirty="0"/>
+              <a:t>0</a:t>
+            </a:r>
+            <a:r>
+              <a:rPr lang="en-US" sz="1200" dirty="0"/>
+              <a:t>, and T value of </a:t>
+            </a:r>
+            <a:r>
+              <a:rPr lang="en-US" sz="1200" b="1" i="1" dirty="0"/>
+              <a:t>54.458</a:t>
+            </a:r>
+            <a:r>
+              <a:rPr lang="en-US" sz="1200" dirty="0"/>
+              <a:t> tell us that the average</a:t>
+            </a:r>
+          </a:p>
+          <a:p>
+            <a:r>
+              <a:rPr lang="en-US" sz="1200" dirty="0"/>
+              <a:t>winnings of the Multiplier strategy are significantly </a:t>
+            </a:r>
+          </a:p>
+          <a:p>
+            <a:r>
+              <a:rPr lang="en-US" sz="1200" dirty="0"/>
+              <a:t>different from those of the base case.</a:t>
+            </a:r>
+          </a:p>
+        </p:txBody>
+      </p:sp>
+      <p:sp>
+        <p:nvSpPr>
+          <p:cNvPr id="11" name="TextBox 10">
+            <a:extLst>
+              <a:ext uri="{FF2B5EF4-FFF2-40B4-BE49-F238E27FC236}">
+                <a16:creationId xmlns:a16="http://schemas.microsoft.com/office/drawing/2014/main" id="{F4444AB2-92DB-DC4E-95FE-09B9847F01AB}"/>
+              </a:ext>
+            </a:extLst>
+          </p:cNvPr>
+          <p:cNvSpPr txBox="1"/>
+          <p:nvPr/>
+        </p:nvSpPr>
+        <p:spPr>
+          <a:xfrm>
+            <a:off x="5864938" y="5488453"/>
+            <a:ext cx="5174537" cy="646331"/>
+          </a:xfrm>
+          <a:prstGeom prst="rect">
+            <a:avLst/>
+          </a:prstGeom>
+          <a:noFill/>
+        </p:spPr>
+        <p:txBody>
+          <a:bodyPr wrap="square" rtlCol="0">
+            <a:spAutoFit/>
+          </a:bodyPr>
+          <a:lstStyle/>
+          <a:p>
+            <a:r>
+              <a:rPr lang="en-US" sz="1200" dirty="0"/>
+              <a:t>The distribution plot provides visual evidence of the difference in average winnings between the Multiplier strategy and the base case, and so we reject the null hypothesis this time.</a:t>
+            </a:r>
+          </a:p>
+        </p:txBody>
+      </p:sp>
+      <p:pic>
+        <p:nvPicPr>
+          <p:cNvPr id="9" name="Content Placeholder 8" descr="Text, letter&#10;&#10;Description automatically generated">
+            <a:extLst>
+              <a:ext uri="{FF2B5EF4-FFF2-40B4-BE49-F238E27FC236}">
+                <a16:creationId xmlns:a16="http://schemas.microsoft.com/office/drawing/2014/main" id="{2E214F38-D1DD-9D43-A683-3AEEA5EE9CA2}"/>
+              </a:ext>
+            </a:extLst>
+          </p:cNvPr>
+          <p:cNvPicPr>
+            <a:picLocks noGrp="1" noChangeAspect="1"/>
+          </p:cNvPicPr>
+          <p:nvPr>
+            <p:ph idx="1"/>
+          </p:nvPr>
+        </p:nvPicPr>
+        <p:blipFill>
+          <a:blip r:embed="rId2"/>
+          <a:stretch>
+            <a:fillRect/>
+          </a:stretch>
+        </p:blipFill>
+        <p:spPr>
+          <a:xfrm>
+            <a:off x="233363" y="2099209"/>
+            <a:ext cx="4279900" cy="1562100"/>
+          </a:xfrm>
+        </p:spPr>
+      </p:pic>
+      <p:pic>
+        <p:nvPicPr>
+          <p:cNvPr id="12" name="Picture 11" descr="Chart&#10;&#10;Description automatically generated">
+            <a:extLst>
+              <a:ext uri="{FF2B5EF4-FFF2-40B4-BE49-F238E27FC236}">
+                <a16:creationId xmlns:a16="http://schemas.microsoft.com/office/drawing/2014/main" id="{5B52F44C-4AEE-3247-BB66-7D393DE22F7D}"/>
+              </a:ext>
+            </a:extLst>
+          </p:cNvPr>
+          <p:cNvPicPr>
+            <a:picLocks noChangeAspect="1"/>
+          </p:cNvPicPr>
+          <p:nvPr/>
+        </p:nvPicPr>
+        <p:blipFill>
+          <a:blip r:embed="rId3"/>
+          <a:stretch>
+            <a:fillRect/>
+          </a:stretch>
+        </p:blipFill>
+        <p:spPr>
+          <a:xfrm>
+            <a:off x="5991587" y="2099209"/>
+            <a:ext cx="4921237" cy="3181719"/>
+          </a:xfrm>
+          <a:prstGeom prst="rect">
+            <a:avLst/>
+          </a:prstGeom>
+        </p:spPr>
+      </p:pic>
+      <p:sp>
+        <p:nvSpPr>
+          <p:cNvPr id="14" name="TextBox 13">
+            <a:extLst>
+              <a:ext uri="{FF2B5EF4-FFF2-40B4-BE49-F238E27FC236}">
+                <a16:creationId xmlns:a16="http://schemas.microsoft.com/office/drawing/2014/main" id="{2F987A78-52F9-7B43-B1C9-0BCB9F0B2D14}"/>
+              </a:ext>
+            </a:extLst>
+          </p:cNvPr>
+          <p:cNvSpPr txBox="1"/>
+          <p:nvPr/>
+        </p:nvSpPr>
+        <p:spPr>
+          <a:xfrm>
+            <a:off x="233363" y="4886325"/>
+            <a:ext cx="4783233" cy="646331"/>
+          </a:xfrm>
+          <a:prstGeom prst="rect">
+            <a:avLst/>
+          </a:prstGeom>
+          <a:noFill/>
+        </p:spPr>
+        <p:txBody>
+          <a:bodyPr wrap="none" rtlCol="0">
+            <a:spAutoFit/>
+          </a:bodyPr>
+          <a:lstStyle/>
+          <a:p>
+            <a:r>
+              <a:rPr lang="en-US" sz="1200" dirty="0"/>
+              <a:t>We are dealing with negative winnings and considering that</a:t>
+            </a:r>
+          </a:p>
+          <a:p>
+            <a:r>
+              <a:rPr lang="en-US" sz="1200" dirty="0"/>
+              <a:t>A win is considered to be “</a:t>
+            </a:r>
+            <a:r>
+              <a:rPr lang="en-US" sz="1200" i="1" dirty="0"/>
+              <a:t>total winnings – total ticket spend”, </a:t>
+            </a:r>
+            <a:r>
+              <a:rPr lang="en-US" sz="1200" dirty="0"/>
+              <a:t>the</a:t>
+            </a:r>
+          </a:p>
+          <a:p>
+            <a:r>
+              <a:rPr lang="en-US" sz="1200" dirty="0"/>
+              <a:t>Multiplier strategy results in us losing even more money.</a:t>
+            </a:r>
+          </a:p>
+        </p:txBody>
+      </p:sp>
+    </p:spTree>
+    <p:extLst>
+      <p:ext uri="{BB962C8B-B14F-4D97-AF65-F5344CB8AC3E}">
+        <p14:creationId xmlns:p14="http://schemas.microsoft.com/office/powerpoint/2010/main" val="3693917288"/>
+      </p:ext>
+    </p:extLst>
+  </p:cSld>
+  <p:clrMapOvr>
+    <a:masterClrMapping/>
+  </p:clrMapOvr>
+</p:sld>
+</file>
+
+<file path=ppt/slides/slide15.xml><?xml version="1.0" encoding="utf-8"?>
+<p:sld xmlns:a="http://schemas.openxmlformats.org/drawingml/2006/main" xmlns:r="http://schemas.openxmlformats.org/officeDocument/2006/relationships" xmlns:p="http://schemas.openxmlformats.org/presentationml/2006/main">
+  <p:cSld>
+    <p:bg>
+      <p:bgPr>
+        <a:gradFill>
+          <a:gsLst>
+            <a:gs pos="0">
+              <a:schemeClr val="bg2">
+                <a:tint val="96000"/>
+                <a:shade val="100000"/>
+                <a:hueMod val="270000"/>
+                <a:satMod val="200000"/>
+                <a:lumMod val="128000"/>
+              </a:schemeClr>
+            </a:gs>
+            <a:gs pos="50000">
+              <a:schemeClr val="bg2">
+                <a:shade val="100000"/>
+                <a:hueMod val="100000"/>
+                <a:satMod val="110000"/>
+                <a:lumMod val="130000"/>
+              </a:schemeClr>
+            </a:gs>
+            <a:gs pos="100000">
+              <a:schemeClr val="bg2">
+                <a:shade val="78000"/>
+                <a:hueMod val="44000"/>
+                <a:satMod val="200000"/>
+                <a:lumMod val="69000"/>
+              </a:schemeClr>
+            </a:gs>
+          </a:gsLst>
+          <a:lin ang="2520000" scaled="0"/>
+        </a:gradFill>
+        <a:effectLst/>
+      </p:bgPr>
+    </p:bg>
+    <p:spTree>
+      <p:nvGrpSpPr>
+        <p:cNvPr id="1" name=""/>
+        <p:cNvGrpSpPr/>
+        <p:nvPr/>
+      </p:nvGrpSpPr>
+      <p:grpSpPr>
+        <a:xfrm>
+          <a:off x="0" y="0"/>
+          <a:ext cx="0" cy="0"/>
+          <a:chOff x="0" y="0"/>
+          <a:chExt cx="0" cy="0"/>
+        </a:xfrm>
+      </p:grpSpPr>
+      <p:pic>
+        <p:nvPicPr>
+          <p:cNvPr id="7" name="Picture 4" descr="Qr code&#10;&#10;Description automatically generated with medium confidence">
+            <a:extLst>
+              <a:ext uri="{FF2B5EF4-FFF2-40B4-BE49-F238E27FC236}">
+                <a16:creationId xmlns:a16="http://schemas.microsoft.com/office/drawing/2014/main" id="{14718FDE-C128-5C32-CBFB-F1DCC10C968F}"/>
+              </a:ext>
+            </a:extLst>
+          </p:cNvPr>
+          <p:cNvPicPr>
+            <a:picLocks noChangeAspect="1"/>
+          </p:cNvPicPr>
+          <p:nvPr/>
+        </p:nvPicPr>
+        <p:blipFill>
+          <a:blip r:embed="rId2">
+            <a:alphaModFix amt="8000"/>
+            <a:extLst>
+              <a:ext uri="{BEBA8EAE-BF5A-486C-A8C5-ECC9F3942E4B}">
+                <a14:imgProps xmlns:a14="http://schemas.microsoft.com/office/drawing/2010/main">
+                  <a14:imgLayer r:embed="rId3">
+                    <a14:imgEffect>
+                      <a14:saturation sat="166000"/>
+                    </a14:imgEffect>
+                  </a14:imgLayer>
+                </a14:imgProps>
+              </a:ext>
+            </a:extLst>
+          </a:blip>
+          <a:srcRect l="27437" r="27437"/>
+          <a:stretch/>
+        </p:blipFill>
+        <p:spPr>
+          <a:xfrm>
+            <a:off x="0" y="-207861"/>
+            <a:ext cx="12192000" cy="7065861"/>
+          </a:xfrm>
+          <a:prstGeom prst="rect">
+            <a:avLst/>
+          </a:prstGeom>
+          <a:noFill/>
+          <a:ln>
+            <a:noFill/>
+          </a:ln>
+          <a:effectLst/>
+        </p:spPr>
+      </p:pic>
+      <p:sp>
+        <p:nvSpPr>
+          <p:cNvPr id="2" name="Title 1">
+            <a:extLst>
+              <a:ext uri="{FF2B5EF4-FFF2-40B4-BE49-F238E27FC236}">
+                <a16:creationId xmlns:a16="http://schemas.microsoft.com/office/drawing/2014/main" id="{DBB49992-731D-B047-A6A6-515E5BFE2B82}"/>
+              </a:ext>
+            </a:extLst>
+          </p:cNvPr>
+          <p:cNvSpPr>
+            <a:spLocks noGrp="1"/>
+          </p:cNvSpPr>
+          <p:nvPr>
+            <p:ph type="title"/>
+          </p:nvPr>
+        </p:nvSpPr>
+        <p:spPr>
+          <a:xfrm>
+            <a:off x="680321" y="753228"/>
+            <a:ext cx="7087552" cy="1080938"/>
+          </a:xfrm>
+        </p:spPr>
+        <p:txBody>
+          <a:bodyPr>
+            <a:normAutofit/>
+          </a:bodyPr>
+          <a:lstStyle/>
+          <a:p>
+            <a:r>
+              <a:rPr lang="en-US" dirty="0"/>
+              <a:t>Conclusion</a:t>
+            </a:r>
+          </a:p>
+        </p:txBody>
+      </p:sp>
+      <p:sp>
+        <p:nvSpPr>
+          <p:cNvPr id="3" name="Content Placeholder 2">
+            <a:extLst>
+              <a:ext uri="{FF2B5EF4-FFF2-40B4-BE49-F238E27FC236}">
+                <a16:creationId xmlns:a16="http://schemas.microsoft.com/office/drawing/2014/main" id="{92BBDE5F-7C92-6249-9319-DBA347C0E59B}"/>
+              </a:ext>
+            </a:extLst>
+          </p:cNvPr>
+          <p:cNvSpPr>
+            <a:spLocks noGrp="1"/>
+          </p:cNvSpPr>
+          <p:nvPr>
+            <p:ph idx="1"/>
+          </p:nvPr>
+        </p:nvSpPr>
+        <p:spPr>
+          <a:xfrm>
+            <a:off x="680321" y="2336872"/>
+            <a:ext cx="11197354" cy="4311577"/>
+          </a:xfrm>
+        </p:spPr>
+        <p:txBody>
+          <a:bodyPr>
+            <a:noAutofit/>
+          </a:bodyPr>
+          <a:lstStyle/>
+          <a:p>
+            <a:pPr marL="0" indent="0">
+              <a:buNone/>
+            </a:pPr>
+            <a:r>
+              <a:rPr lang="en-US" sz="1800" b="1" dirty="0"/>
+              <a:t>Non of the strategies we investigated provide an edge when it comes to bettering one’s odds at winning the lottery.</a:t>
+            </a:r>
+          </a:p>
+          <a:p>
+            <a:pPr marL="0" indent="0">
+              <a:buNone/>
+            </a:pPr>
+            <a:endParaRPr lang="en-US" sz="1800" b="1" dirty="0"/>
+          </a:p>
+          <a:p>
+            <a:pPr marL="0" indent="0">
+              <a:buNone/>
+            </a:pPr>
+            <a:r>
+              <a:rPr lang="en-US" sz="1800" b="1" dirty="0"/>
+              <a:t>Implementing the Multiplier strategy (a strategy that is supposed to increase your winnings), results in higher losses due to higher cost of the ticket.</a:t>
+            </a:r>
+          </a:p>
+          <a:p>
+            <a:pPr marL="0" indent="0">
+              <a:buNone/>
+            </a:pPr>
+            <a:endParaRPr lang="en-US" sz="1800" b="1" dirty="0"/>
+          </a:p>
+          <a:p>
+            <a:pPr marL="0" indent="0">
+              <a:buNone/>
+            </a:pPr>
+            <a:r>
+              <a:rPr lang="en-US" sz="1800" b="1" dirty="0"/>
+              <a:t>The Mega Millions lottery is a game of chance, and not a game of strategy.</a:t>
+            </a:r>
+          </a:p>
+          <a:p>
+            <a:pPr marL="0" indent="0">
+              <a:buNone/>
+            </a:pPr>
+            <a:endParaRPr lang="en-US" sz="1800" b="1" dirty="0"/>
+          </a:p>
+          <a:p>
+            <a:pPr marL="0" indent="0">
+              <a:buNone/>
+            </a:pPr>
+            <a:r>
+              <a:rPr lang="en-US" sz="1800" b="1" dirty="0"/>
+              <a:t>The game is not worth playing as the average amount won is less than the amount spent on tickets.</a:t>
+            </a:r>
+          </a:p>
+        </p:txBody>
+      </p:sp>
+      <p:sp>
+        <p:nvSpPr>
+          <p:cNvPr id="9" name="Footer Placeholder 4">
+            <a:extLst>
+              <a:ext uri="{FF2B5EF4-FFF2-40B4-BE49-F238E27FC236}">
+                <a16:creationId xmlns:a16="http://schemas.microsoft.com/office/drawing/2014/main" id="{0DE1B210-5E04-748F-FF56-EDA98127905C}"/>
+              </a:ext>
+            </a:extLst>
+          </p:cNvPr>
+          <p:cNvSpPr>
+            <a:spLocks noGrp="1"/>
+          </p:cNvSpPr>
+          <p:nvPr>
+            <p:ph type="ftr" sz="quarter" idx="11"/>
+          </p:nvPr>
+        </p:nvSpPr>
+        <p:spPr>
+          <a:xfrm>
+            <a:off x="-2531285" y="8050738"/>
+            <a:ext cx="6423211" cy="365125"/>
+          </a:xfrm>
+        </p:spPr>
+        <p:txBody>
+          <a:bodyPr/>
+          <a:lstStyle/>
+          <a:p>
+            <a:pPr marL="0" marR="0" lvl="0" indent="0" algn="l" defTabSz="914400" rtl="0" eaLnBrk="1" fontAlgn="auto" latinLnBrk="0" hangingPunct="1">
+              <a:lnSpc>
+                <a:spcPct val="100000"/>
+              </a:lnSpc>
+              <a:spcBef>
+                <a:spcPts val="0"/>
+              </a:spcBef>
+              <a:spcAft>
+                <a:spcPts val="600"/>
+              </a:spcAft>
+              <a:buClrTx/>
+              <a:buSzTx/>
+              <a:buFontTx/>
+              <a:buNone/>
+              <a:tabLst/>
+              <a:defRPr/>
+            </a:pPr>
+            <a:endParaRPr kumimoji="0" lang="en-US" sz="1050" b="0" i="0" u="none" strike="noStrike" kern="1200" cap="none" spc="0" normalizeH="0" baseline="0" noProof="0" dirty="0">
+              <a:ln>
+                <a:noFill/>
+              </a:ln>
+              <a:solidFill>
+                <a:prstClr val="white">
+                  <a:tint val="75000"/>
+                </a:prstClr>
+              </a:solidFill>
+              <a:effectLst/>
+              <a:uLnTx/>
+              <a:uFillTx/>
+              <a:latin typeface="Trebuchet MS" panose="020B0603020202020204"/>
+              <a:ea typeface="+mn-ea"/>
+              <a:cs typeface="+mn-cs"/>
+            </a:endParaRPr>
+          </a:p>
+        </p:txBody>
+      </p:sp>
+    </p:spTree>
+    <p:extLst>
+      <p:ext uri="{BB962C8B-B14F-4D97-AF65-F5344CB8AC3E}">
+        <p14:creationId xmlns:p14="http://schemas.microsoft.com/office/powerpoint/2010/main" val="2064715576"/>
       </p:ext>
     </p:extLst>
   </p:cSld>
@@ -8623,7 +9908,7 @@
         </p:blipFill>
         <p:spPr>
           <a:xfrm>
-            <a:off x="-9762" y="0"/>
+            <a:off x="0" y="-8681"/>
             <a:ext cx="12192000" cy="6866681"/>
           </a:xfrm>
           <a:prstGeom prst="rect">
@@ -8881,8 +10166,8 @@
         </p:nvSpPr>
         <p:spPr>
           <a:xfrm>
-            <a:off x="10519575" y="893587"/>
-            <a:ext cx="1608814" cy="400110"/>
+            <a:off x="10531515" y="753228"/>
+            <a:ext cx="1608814" cy="338554"/>
           </a:xfrm>
           <a:prstGeom prst="rect">
             <a:avLst/>
@@ -8896,7 +10181,7 @@
           <a:lstStyle/>
           <a:p>
             <a:r>
-              <a:rPr lang="en-US" sz="2000" b="1" i="1" dirty="0"/>
+              <a:rPr lang="en-US" sz="1600" b="1" i="1" dirty="0"/>
               <a:t>Game Rules</a:t>
             </a:r>
           </a:p>
@@ -9156,8 +10441,8 @@
         </p:nvSpPr>
         <p:spPr>
           <a:xfrm>
-            <a:off x="10582275" y="705976"/>
-            <a:ext cx="1609725" cy="707886"/>
+            <a:off x="10582275" y="708922"/>
+            <a:ext cx="1609725" cy="584775"/>
           </a:xfrm>
           <a:prstGeom prst="rect">
             <a:avLst/>
@@ -9171,7 +10456,7 @@
           <a:lstStyle/>
           <a:p>
             <a:r>
-              <a:rPr lang="en-US" sz="2000" b="1" i="1" dirty="0"/>
+              <a:rPr lang="en-US" sz="1600" b="1" i="1" dirty="0"/>
               <a:t>Prize Tiers and Odds</a:t>
             </a:r>
           </a:p>
@@ -9356,7 +10641,7 @@
               <a:buNone/>
             </a:pPr>
             <a:r>
-              <a:rPr lang="en-US" sz="2000" b="1" dirty="0"/>
+              <a:rPr lang="en-US" sz="1600" b="1" dirty="0"/>
               <a:t>Identified 5 different approaches to playing the lottery:</a:t>
             </a:r>
           </a:p>
@@ -9550,8 +10835,8 @@
         </p:nvSpPr>
         <p:spPr>
           <a:xfrm>
-            <a:off x="10648951" y="1047750"/>
-            <a:ext cx="1476374" cy="369332"/>
+            <a:off x="10648951" y="793170"/>
+            <a:ext cx="1476374" cy="338554"/>
           </a:xfrm>
           <a:prstGeom prst="rect">
             <a:avLst/>
@@ -9565,7 +10850,7 @@
           <a:lstStyle/>
           <a:p>
             <a:r>
-              <a:rPr lang="en-US" i="1" dirty="0"/>
+              <a:rPr lang="en-US" sz="1600" i="1" dirty="0"/>
               <a:t>Approach</a:t>
             </a:r>
           </a:p>
@@ -9914,8 +11199,8 @@
         </p:nvSpPr>
         <p:spPr>
           <a:xfrm>
-            <a:off x="10648951" y="1047750"/>
-            <a:ext cx="1476374" cy="369332"/>
+            <a:off x="10648951" y="793170"/>
+            <a:ext cx="1476374" cy="338554"/>
           </a:xfrm>
           <a:prstGeom prst="rect">
             <a:avLst/>
@@ -9929,7 +11214,7 @@
           <a:lstStyle/>
           <a:p>
             <a:r>
-              <a:rPr lang="en-US" i="1" dirty="0"/>
+              <a:rPr lang="en-US" sz="1600" i="1" dirty="0"/>
               <a:t>Approach</a:t>
             </a:r>
           </a:p>
@@ -10115,7 +11400,7 @@
             </a:pPr>
             <a:r>
               <a:rPr lang="en-US" sz="1600" dirty="0"/>
-              <a:t>To generate the numbers for the Least and Most strategies, We ran through the last 20 years of winning Mega Millions numbers and identified the most and least frequently occurring winning Mega Ball and base numbers.</a:t>
+              <a:t>To generate the numbers for the Least and Most Numbers strategies, We ran through the last 20 years of winning Mega Millions numbers and identified the most and least frequently occurring winning Mega Ball and base numbers.</a:t>
             </a:r>
           </a:p>
           <a:p>
@@ -10253,8 +11538,8 @@
         </p:nvSpPr>
         <p:spPr>
           <a:xfrm>
-            <a:off x="10670383" y="555033"/>
-            <a:ext cx="1476374" cy="1477328"/>
+            <a:off x="10648951" y="743746"/>
+            <a:ext cx="1476374" cy="1077218"/>
           </a:xfrm>
           <a:prstGeom prst="rect">
             <a:avLst/>
@@ -10268,7 +11553,7 @@
           <a:lstStyle/>
           <a:p>
             <a:r>
-              <a:rPr lang="en-US" i="1" dirty="0"/>
+              <a:rPr lang="en-US" sz="1600" i="1" dirty="0"/>
               <a:t>Most &amp; Least Frequent Numbers Strategies</a:t>
             </a:r>
           </a:p>
@@ -10613,8 +11898,8 @@
         </p:nvSpPr>
         <p:spPr>
           <a:xfrm>
-            <a:off x="10670383" y="555033"/>
-            <a:ext cx="1476374" cy="1477328"/>
+            <a:off x="10648951" y="743746"/>
+            <a:ext cx="1476374" cy="1077218"/>
           </a:xfrm>
           <a:prstGeom prst="rect">
             <a:avLst/>
@@ -10628,7 +11913,7 @@
           <a:lstStyle/>
           <a:p>
             <a:r>
-              <a:rPr lang="en-US" i="1" dirty="0"/>
+              <a:rPr lang="en-US" sz="1600" i="1" dirty="0"/>
               <a:t>Most &amp; Least Frequent Numbers Strategies</a:t>
             </a:r>
           </a:p>
